--- a/DsDotNet/src/UnitTest/UnitTest.Engine/ImportPPT/T0_CaseAll.pptx
+++ b/DsDotNet/src/UnitTest/UnitTest.Engine/ImportPPT/T0_CaseAll.pptx
@@ -5,19 +5,21 @@
     <p:sldMasterId id="2147483648" r:id="rId1"/>
   </p:sldMasterIdLst>
   <p:notesMasterIdLst>
-    <p:notesMasterId r:id="rId9"/>
+    <p:notesMasterId r:id="rId11"/>
   </p:notesMasterIdLst>
   <p:handoutMasterIdLst>
-    <p:handoutMasterId r:id="rId10"/>
+    <p:handoutMasterId r:id="rId12"/>
   </p:handoutMasterIdLst>
   <p:sldIdLst>
     <p:sldId id="614" r:id="rId2"/>
     <p:sldId id="615" r:id="rId3"/>
     <p:sldId id="617" r:id="rId4"/>
     <p:sldId id="620" r:id="rId5"/>
-    <p:sldId id="618" r:id="rId6"/>
-    <p:sldId id="619" r:id="rId7"/>
-    <p:sldId id="616" r:id="rId8"/>
+    <p:sldId id="622" r:id="rId6"/>
+    <p:sldId id="624" r:id="rId7"/>
+    <p:sldId id="618" r:id="rId8"/>
+    <p:sldId id="619" r:id="rId9"/>
+    <p:sldId id="616" r:id="rId10"/>
   </p:sldIdLst>
   <p:sldSz cx="12192000" cy="6858000"/>
   <p:notesSz cx="6797675" cy="9926638"/>
@@ -221,7 +223,7 @@
           <a:p>
             <a:fld id="{DD503887-5801-43A0-AEF9-041E8DDC2558}" type="datetimeFigureOut">
               <a:rPr lang="ko-KR" altLang="en-US" smtClean="0"/>
-              <a:t>2022-11-05</a:t>
+              <a:t>2022-11-09</a:t>
             </a:fld>
             <a:endParaRPr lang="ko-KR" altLang="en-US" dirty="0"/>
           </a:p>
@@ -398,7 +400,7 @@
           <a:p>
             <a:fld id="{95336A0E-57B1-4D4C-BD9B-2F72B5943464}" type="datetimeFigureOut">
               <a:rPr lang="ko-KR" altLang="en-US" smtClean="0"/>
-              <a:t>2022-11-05</a:t>
+              <a:t>2022-11-09</a:t>
             </a:fld>
             <a:endParaRPr lang="ko-KR" altLang="en-US" dirty="0"/>
           </a:p>
@@ -3236,7 +3238,7 @@
           <a:p>
             <a:fld id="{229D12C7-0FF5-4972-A033-474EFFC79F40}" type="datetime1">
               <a:rPr lang="ko-KR" altLang="en-US" smtClean="0"/>
-              <a:t>2022-11-05</a:t>
+              <a:t>2022-11-09</a:t>
             </a:fld>
             <a:endParaRPr lang="ko-KR" altLang="en-US" dirty="0"/>
           </a:p>
@@ -3434,7 +3436,7 @@
           <a:p>
             <a:fld id="{5BA19FD4-B052-4F56-8FD8-EAFD078DEFB0}" type="datetime1">
               <a:rPr lang="ko-KR" altLang="en-US" smtClean="0"/>
-              <a:t>2022-11-05</a:t>
+              <a:t>2022-11-09</a:t>
             </a:fld>
             <a:endParaRPr lang="ko-KR" altLang="en-US" dirty="0"/>
           </a:p>
@@ -3642,7 +3644,7 @@
           <a:p>
             <a:fld id="{024994B9-23A6-4B0A-A038-AC140E83DAA3}" type="datetime1">
               <a:rPr lang="ko-KR" altLang="en-US" smtClean="0"/>
-              <a:t>2022-11-05</a:t>
+              <a:t>2022-11-09</a:t>
             </a:fld>
             <a:endParaRPr lang="ko-KR" altLang="en-US" dirty="0"/>
           </a:p>
@@ -3840,7 +3842,7 @@
           <a:p>
             <a:fld id="{70D0DAB2-87CB-4028-B965-3AA710ADF2CB}" type="datetime1">
               <a:rPr lang="ko-KR" altLang="en-US" smtClean="0"/>
-              <a:t>2022-11-05</a:t>
+              <a:t>2022-11-09</a:t>
             </a:fld>
             <a:endParaRPr lang="ko-KR" altLang="en-US" dirty="0"/>
           </a:p>
@@ -4115,7 +4117,7 @@
           <a:p>
             <a:fld id="{63FA3D71-FEA8-477F-9D1E-EA860F411BC7}" type="datetime1">
               <a:rPr lang="ko-KR" altLang="en-US" smtClean="0"/>
-              <a:t>2022-11-05</a:t>
+              <a:t>2022-11-09</a:t>
             </a:fld>
             <a:endParaRPr lang="ko-KR" altLang="en-US" dirty="0"/>
           </a:p>
@@ -4380,7 +4382,7 @@
           <a:p>
             <a:fld id="{F58E3EF4-7980-4C97-BA64-EC66995BB574}" type="datetime1">
               <a:rPr lang="ko-KR" altLang="en-US" smtClean="0"/>
-              <a:t>2022-11-05</a:t>
+              <a:t>2022-11-09</a:t>
             </a:fld>
             <a:endParaRPr lang="ko-KR" altLang="en-US" dirty="0"/>
           </a:p>
@@ -4792,7 +4794,7 @@
           <a:p>
             <a:fld id="{FC9BC1D0-7D6B-4634-9D19-644040D74EAE}" type="datetime1">
               <a:rPr lang="ko-KR" altLang="en-US" smtClean="0"/>
-              <a:t>2022-11-05</a:t>
+              <a:t>2022-11-09</a:t>
             </a:fld>
             <a:endParaRPr lang="ko-KR" altLang="en-US" dirty="0"/>
           </a:p>
@@ -4934,7 +4936,7 @@
           <a:p>
             <a:fld id="{B5B1BBC2-B738-4C35-AEE5-660EB2DEB482}" type="datetime1">
               <a:rPr lang="ko-KR" altLang="en-US" smtClean="0"/>
-              <a:t>2022-11-05</a:t>
+              <a:t>2022-11-09</a:t>
             </a:fld>
             <a:endParaRPr lang="ko-KR" altLang="en-US" dirty="0"/>
           </a:p>
@@ -9516,7 +9518,7 @@
           <a:p>
             <a:fld id="{C60E9F93-7E77-4F36-B88C-A425F00C8D91}" type="datetime1">
               <a:rPr lang="ko-KR" altLang="en-US" smtClean="0"/>
-              <a:t>2022-11-05</a:t>
+              <a:t>2022-11-09</a:t>
             </a:fld>
             <a:endParaRPr lang="ko-KR" altLang="en-US" dirty="0"/>
           </a:p>
@@ -9827,7 +9829,7 @@
           <a:p>
             <a:fld id="{36BCCD0E-2A54-4016-BFFC-FEAABCDA6915}" type="datetime1">
               <a:rPr lang="ko-KR" altLang="en-US" smtClean="0"/>
-              <a:t>2022-11-05</a:t>
+              <a:t>2022-11-09</a:t>
             </a:fld>
             <a:endParaRPr lang="ko-KR" altLang="en-US" dirty="0"/>
           </a:p>
@@ -10115,7 +10117,7 @@
           <a:p>
             <a:fld id="{AAF69562-79F1-43EA-AE78-EAD8DB3AEC1A}" type="datetime1">
               <a:rPr lang="ko-KR" altLang="en-US" smtClean="0"/>
-              <a:t>2022-11-05</a:t>
+              <a:t>2022-11-09</a:t>
             </a:fld>
             <a:endParaRPr lang="ko-KR" altLang="en-US" dirty="0"/>
           </a:p>
@@ -10356,7 +10358,7 @@
           <a:p>
             <a:fld id="{C984B0C4-64BA-4E4C-B5E6-A51EE3F6ED95}" type="datetime1">
               <a:rPr lang="ko-KR" altLang="en-US" smtClean="0"/>
-              <a:t>2022-11-05</a:t>
+              <a:t>2022-11-09</a:t>
             </a:fld>
             <a:endParaRPr lang="ko-KR" altLang="en-US" dirty="0"/>
           </a:p>
@@ -13117,6 +13119,1734 @@
           <p:cNvPr id="2" name="제목 1">
             <a:extLst>
               <a:ext uri="{FF2B5EF4-FFF2-40B4-BE49-F238E27FC236}">
+                <a16:creationId xmlns:a16="http://schemas.microsoft.com/office/drawing/2014/main" id="{E35BEC89-0CFB-7F29-D8C7-71B3E64B4D66}"/>
+              </a:ext>
+            </a:extLst>
+          </p:cNvPr>
+          <p:cNvSpPr>
+            <a:spLocks noGrp="1"/>
+          </p:cNvSpPr>
+          <p:nvPr>
+            <p:ph type="title"/>
+          </p:nvPr>
+        </p:nvSpPr>
+        <p:spPr/>
+        <p:txBody>
+          <a:bodyPr/>
+          <a:lstStyle/>
+          <a:p>
+            <a:r>
+              <a:rPr lang="en-US" altLang="ko-KR" dirty="0" err="1"/>
+              <a:t>S104</a:t>
+            </a:r>
+            <a:endParaRPr lang="ko-KR" altLang="en-US" dirty="0"/>
+          </a:p>
+        </p:txBody>
+      </p:sp>
+      <p:sp>
+        <p:nvSpPr>
+          <p:cNvPr id="4" name="TextBox 3">
+            <a:extLst>
+              <a:ext uri="{FF2B5EF4-FFF2-40B4-BE49-F238E27FC236}">
+                <a16:creationId xmlns:a16="http://schemas.microsoft.com/office/drawing/2014/main" id="{1D3B128A-0B21-0309-9B37-49B03908AB91}"/>
+              </a:ext>
+            </a:extLst>
+          </p:cNvPr>
+          <p:cNvSpPr txBox="1"/>
+          <p:nvPr/>
+        </p:nvSpPr>
+        <p:spPr>
+          <a:xfrm>
+            <a:off x="5707289" y="629613"/>
+            <a:ext cx="2746265" cy="646331"/>
+          </a:xfrm>
+          <a:prstGeom prst="rect">
+            <a:avLst/>
+          </a:prstGeom>
+          <a:noFill/>
+        </p:spPr>
+        <p:txBody>
+          <a:bodyPr wrap="none" rtlCol="0">
+            <a:spAutoFit/>
+          </a:bodyPr>
+          <a:lstStyle/>
+          <a:p>
+            <a:r>
+              <a:rPr lang="en-US" altLang="ko-KR" sz="3600" dirty="0"/>
+              <a:t>Call Dummy</a:t>
+            </a:r>
+          </a:p>
+        </p:txBody>
+      </p:sp>
+      <p:sp>
+        <p:nvSpPr>
+          <p:cNvPr id="9" name="사각형: 모서리가 접힌 도형 8">
+            <a:extLst>
+              <a:ext uri="{FF2B5EF4-FFF2-40B4-BE49-F238E27FC236}">
+                <a16:creationId xmlns:a16="http://schemas.microsoft.com/office/drawing/2014/main" id="{F5FB5C8C-5FE0-3210-B09B-4F8A898BE653}"/>
+              </a:ext>
+            </a:extLst>
+          </p:cNvPr>
+          <p:cNvSpPr/>
+          <p:nvPr/>
+        </p:nvSpPr>
+        <p:spPr>
+          <a:xfrm>
+            <a:off x="9789260" y="1014413"/>
+            <a:ext cx="2009775" cy="1352550"/>
+          </a:xfrm>
+          <a:prstGeom prst="foldedCorner">
+            <a:avLst/>
+          </a:prstGeom>
+        </p:spPr>
+        <p:style>
+          <a:lnRef idx="2">
+            <a:schemeClr val="accent1">
+              <a:shade val="50000"/>
+            </a:schemeClr>
+          </a:lnRef>
+          <a:fillRef idx="1">
+            <a:schemeClr val="accent1"/>
+          </a:fillRef>
+          <a:effectRef idx="0">
+            <a:schemeClr val="accent1"/>
+          </a:effectRef>
+          <a:fontRef idx="minor">
+            <a:schemeClr val="lt1"/>
+          </a:fontRef>
+        </p:style>
+        <p:txBody>
+          <a:bodyPr rtlCol="0" anchor="ctr"/>
+          <a:lstStyle/>
+          <a:p>
+            <a:pPr algn="ctr"/>
+            <a:r>
+              <a:rPr lang="en-US" altLang="ko-KR" dirty="0"/>
+              <a:t>SystemA</a:t>
+            </a:r>
+          </a:p>
+          <a:p>
+            <a:pPr algn="ctr"/>
+            <a:r>
+              <a:rPr lang="en-US" altLang="ko-KR" dirty="0"/>
+              <a:t>[SysB]</a:t>
+            </a:r>
+            <a:endParaRPr lang="ko-KR" altLang="en-US" dirty="0"/>
+          </a:p>
+        </p:txBody>
+      </p:sp>
+      <p:grpSp>
+        <p:nvGrpSpPr>
+          <p:cNvPr id="12" name="그룹 11">
+            <a:extLst>
+              <a:ext uri="{FF2B5EF4-FFF2-40B4-BE49-F238E27FC236}">
+                <a16:creationId xmlns:a16="http://schemas.microsoft.com/office/drawing/2014/main" id="{28F1E749-B7AF-5D5F-B20D-DFE5E966619C}"/>
+              </a:ext>
+            </a:extLst>
+          </p:cNvPr>
+          <p:cNvGrpSpPr/>
+          <p:nvPr/>
+        </p:nvGrpSpPr>
+        <p:grpSpPr>
+          <a:xfrm>
+            <a:off x="1393474" y="3016398"/>
+            <a:ext cx="4313815" cy="3186314"/>
+            <a:chOff x="1393474" y="3016398"/>
+            <a:chExt cx="4313815" cy="3186314"/>
+          </a:xfrm>
+        </p:grpSpPr>
+        <p:sp>
+          <p:nvSpPr>
+            <p:cNvPr id="57" name="TextBox 56">
+              <a:extLst>
+                <a:ext uri="{FF2B5EF4-FFF2-40B4-BE49-F238E27FC236}">
+                  <a16:creationId xmlns:a16="http://schemas.microsoft.com/office/drawing/2014/main" id="{86C0DB17-5983-5AB1-2A10-EF20E8B13F5C}"/>
+                </a:ext>
+              </a:extLst>
+            </p:cNvPr>
+            <p:cNvSpPr txBox="1"/>
+            <p:nvPr/>
+          </p:nvSpPr>
+          <p:spPr>
+            <a:xfrm>
+              <a:off x="2131665" y="5279382"/>
+              <a:ext cx="2938625" cy="923330"/>
+            </a:xfrm>
+            <a:prstGeom prst="rect">
+              <a:avLst/>
+            </a:prstGeom>
+            <a:noFill/>
+          </p:spPr>
+          <p:txBody>
+            <a:bodyPr wrap="none" rtlCol="0">
+              <a:spAutoFit/>
+            </a:bodyPr>
+            <a:lstStyle/>
+            <a:p>
+              <a:r>
+                <a:rPr lang="ko-KR" altLang="en-US" dirty="0"/>
+                <a:t>동시행위그룹</a:t>
+              </a:r>
+              <a:endParaRPr lang="en-US" altLang="ko-KR" dirty="0"/>
+            </a:p>
+            <a:p>
+              <a:endParaRPr lang="en-US" altLang="ko-KR" dirty="0"/>
+            </a:p>
+            <a:p>
+              <a:r>
+                <a:rPr lang="ko-KR" altLang="en-US" dirty="0"/>
+                <a:t>방법</a:t>
+              </a:r>
+              <a:r>
+                <a:rPr lang="en-US" altLang="ko-KR" dirty="0"/>
+                <a:t>: </a:t>
+              </a:r>
+              <a:r>
+                <a:rPr lang="ko-KR" altLang="en-US" dirty="0"/>
+                <a:t>무방향라인으로 연결</a:t>
+              </a:r>
+            </a:p>
+          </p:txBody>
+        </p:sp>
+        <p:grpSp>
+          <p:nvGrpSpPr>
+            <p:cNvPr id="85" name="그룹 84">
+              <a:extLst>
+                <a:ext uri="{FF2B5EF4-FFF2-40B4-BE49-F238E27FC236}">
+                  <a16:creationId xmlns:a16="http://schemas.microsoft.com/office/drawing/2014/main" id="{2D890ED7-C516-89CA-9C90-1843AD20DD18}"/>
+                </a:ext>
+              </a:extLst>
+            </p:cNvPr>
+            <p:cNvGrpSpPr/>
+            <p:nvPr/>
+          </p:nvGrpSpPr>
+          <p:grpSpPr>
+            <a:xfrm>
+              <a:off x="1393474" y="3016398"/>
+              <a:ext cx="4313815" cy="2743200"/>
+              <a:chOff x="1393474" y="3016398"/>
+              <a:chExt cx="4313815" cy="2743200"/>
+            </a:xfrm>
+          </p:grpSpPr>
+          <p:grpSp>
+            <p:nvGrpSpPr>
+              <p:cNvPr id="6" name="그룹 5">
+                <a:extLst>
+                  <a:ext uri="{FF2B5EF4-FFF2-40B4-BE49-F238E27FC236}">
+                    <a16:creationId xmlns:a16="http://schemas.microsoft.com/office/drawing/2014/main" id="{38FAFB92-6594-BE15-75B9-9A824E260EB2}"/>
+                  </a:ext>
+                </a:extLst>
+              </p:cNvPr>
+              <p:cNvGrpSpPr/>
+              <p:nvPr/>
+            </p:nvGrpSpPr>
+            <p:grpSpPr>
+              <a:xfrm>
+                <a:off x="1393474" y="3016398"/>
+                <a:ext cx="4313815" cy="2743200"/>
+                <a:chOff x="1291312" y="2500236"/>
+                <a:chExt cx="9336108" cy="3590925"/>
+              </a:xfrm>
+            </p:grpSpPr>
+            <p:grpSp>
+              <p:nvGrpSpPr>
+                <p:cNvPr id="13" name="그룹 12">
+                  <a:extLst>
+                    <a:ext uri="{FF2B5EF4-FFF2-40B4-BE49-F238E27FC236}">
+                      <a16:creationId xmlns:a16="http://schemas.microsoft.com/office/drawing/2014/main" id="{68273779-0907-B61E-CB28-7C3235EA2C81}"/>
+                    </a:ext>
+                  </a:extLst>
+                </p:cNvPr>
+                <p:cNvGrpSpPr/>
+                <p:nvPr/>
+              </p:nvGrpSpPr>
+              <p:grpSpPr>
+                <a:xfrm>
+                  <a:off x="1291312" y="2500236"/>
+                  <a:ext cx="9336108" cy="3590925"/>
+                  <a:chOff x="1291312" y="2500236"/>
+                  <a:chExt cx="9336108" cy="3590925"/>
+                </a:xfrm>
+              </p:grpSpPr>
+              <p:sp>
+                <p:nvSpPr>
+                  <p:cNvPr id="29" name="직사각형 28">
+                    <a:extLst>
+                      <a:ext uri="{FF2B5EF4-FFF2-40B4-BE49-F238E27FC236}">
+                        <a16:creationId xmlns:a16="http://schemas.microsoft.com/office/drawing/2014/main" id="{42C05E87-EB35-E538-CC97-7625C2644ADD}"/>
+                      </a:ext>
+                    </a:extLst>
+                  </p:cNvPr>
+                  <p:cNvSpPr/>
+                  <p:nvPr/>
+                </p:nvSpPr>
+                <p:spPr>
+                  <a:xfrm>
+                    <a:off x="1291312" y="2500236"/>
+                    <a:ext cx="9336108" cy="3590925"/>
+                  </a:xfrm>
+                  <a:prstGeom prst="rect">
+                    <a:avLst/>
+                  </a:prstGeom>
+                  <a:noFill/>
+                  <a:ln>
+                    <a:solidFill>
+                      <a:schemeClr val="accent1"/>
+                    </a:solidFill>
+                  </a:ln>
+                </p:spPr>
+                <p:style>
+                  <a:lnRef idx="2">
+                    <a:schemeClr val="accent1">
+                      <a:shade val="50000"/>
+                    </a:schemeClr>
+                  </a:lnRef>
+                  <a:fillRef idx="1">
+                    <a:schemeClr val="accent1"/>
+                  </a:fillRef>
+                  <a:effectRef idx="0">
+                    <a:schemeClr val="accent1"/>
+                  </a:effectRef>
+                  <a:fontRef idx="minor">
+                    <a:schemeClr val="lt1"/>
+                  </a:fontRef>
+                </p:style>
+                <p:txBody>
+                  <a:bodyPr rtlCol="0" anchor="t"/>
+                  <a:lstStyle/>
+                  <a:p>
+                    <a:pPr algn="ctr"/>
+                    <a:r>
+                      <a:rPr lang="en-US" altLang="ko-KR" sz="1100" dirty="0">
+                        <a:solidFill>
+                          <a:schemeClr val="tx1"/>
+                        </a:solidFill>
+                      </a:rPr>
+                      <a:t>R1</a:t>
+                    </a:r>
+                    <a:endParaRPr lang="ko-KR" altLang="en-US" sz="600" dirty="0">
+                      <a:solidFill>
+                        <a:schemeClr val="tx1"/>
+                      </a:solidFill>
+                    </a:endParaRPr>
+                  </a:p>
+                </p:txBody>
+              </p:sp>
+              <p:grpSp>
+                <p:nvGrpSpPr>
+                  <p:cNvPr id="31" name="그룹 30">
+                    <a:extLst>
+                      <a:ext uri="{FF2B5EF4-FFF2-40B4-BE49-F238E27FC236}">
+                        <a16:creationId xmlns:a16="http://schemas.microsoft.com/office/drawing/2014/main" id="{BADDBE08-ABD4-230C-B560-729A8A147A38}"/>
+                      </a:ext>
+                    </a:extLst>
+                  </p:cNvPr>
+                  <p:cNvGrpSpPr/>
+                  <p:nvPr/>
+                </p:nvGrpSpPr>
+                <p:grpSpPr>
+                  <a:xfrm>
+                    <a:off x="2319279" y="2903389"/>
+                    <a:ext cx="7145966" cy="2098587"/>
+                    <a:chOff x="2319279" y="2903389"/>
+                    <a:chExt cx="7145966" cy="2098587"/>
+                  </a:xfrm>
+                </p:grpSpPr>
+                <p:sp>
+                  <p:nvSpPr>
+                    <p:cNvPr id="36" name="타원 35">
+                      <a:extLst>
+                        <a:ext uri="{FF2B5EF4-FFF2-40B4-BE49-F238E27FC236}">
+                          <a16:creationId xmlns:a16="http://schemas.microsoft.com/office/drawing/2014/main" id="{754D0C0D-93B9-1942-CAD1-61DF85B607AC}"/>
+                        </a:ext>
+                      </a:extLst>
+                    </p:cNvPr>
+                    <p:cNvSpPr/>
+                    <p:nvPr/>
+                  </p:nvSpPr>
+                  <p:spPr>
+                    <a:xfrm>
+                      <a:off x="2527565" y="4075368"/>
+                      <a:ext cx="2424718" cy="839199"/>
+                    </a:xfrm>
+                    <a:prstGeom prst="ellipse">
+                      <a:avLst/>
+                    </a:prstGeom>
+                    <a:ln>
+                      <a:solidFill>
+                        <a:schemeClr val="accent1"/>
+                      </a:solidFill>
+                    </a:ln>
+                  </p:spPr>
+                  <p:style>
+                    <a:lnRef idx="2">
+                      <a:schemeClr val="accent1">
+                        <a:shade val="50000"/>
+                      </a:schemeClr>
+                    </a:lnRef>
+                    <a:fillRef idx="1">
+                      <a:schemeClr val="accent1"/>
+                    </a:fillRef>
+                    <a:effectRef idx="0">
+                      <a:schemeClr val="accent1"/>
+                    </a:effectRef>
+                    <a:fontRef idx="minor">
+                      <a:schemeClr val="lt1"/>
+                    </a:fontRef>
+                  </p:style>
+                  <p:txBody>
+                    <a:bodyPr rtlCol="0" anchor="ctr"/>
+                    <a:lstStyle/>
+                    <a:p>
+                      <a:pPr algn="ctr"/>
+                      <a:r>
+                        <a:rPr lang="en-US" altLang="ko-KR" sz="1000" dirty="0"/>
+                        <a:t>SysB</a:t>
+                      </a:r>
+                    </a:p>
+                    <a:p>
+                      <a:pPr algn="ctr"/>
+                      <a:r>
+                        <a:rPr lang="en-US" altLang="ko-KR" sz="1000" dirty="0"/>
+                        <a:t>.Func2</a:t>
+                      </a:r>
+                      <a:endParaRPr lang="ko-KR" altLang="en-US" sz="1000" dirty="0"/>
+                    </a:p>
+                  </p:txBody>
+                </p:sp>
+                <p:sp>
+                  <p:nvSpPr>
+                    <p:cNvPr id="37" name="타원 36">
+                      <a:extLst>
+                        <a:ext uri="{FF2B5EF4-FFF2-40B4-BE49-F238E27FC236}">
+                          <a16:creationId xmlns:a16="http://schemas.microsoft.com/office/drawing/2014/main" id="{3D11B9FE-E621-4D6E-3D63-CDAC8934FEEF}"/>
+                        </a:ext>
+                      </a:extLst>
+                    </p:cNvPr>
+                    <p:cNvSpPr/>
+                    <p:nvPr/>
+                  </p:nvSpPr>
+                  <p:spPr>
+                    <a:xfrm>
+                      <a:off x="2319279" y="2903389"/>
+                      <a:ext cx="2777936" cy="798818"/>
+                    </a:xfrm>
+                    <a:prstGeom prst="ellipse">
+                      <a:avLst/>
+                    </a:prstGeom>
+                    <a:ln>
+                      <a:solidFill>
+                        <a:schemeClr val="accent1"/>
+                      </a:solidFill>
+                    </a:ln>
+                  </p:spPr>
+                  <p:style>
+                    <a:lnRef idx="2">
+                      <a:schemeClr val="accent1">
+                        <a:shade val="50000"/>
+                      </a:schemeClr>
+                    </a:lnRef>
+                    <a:fillRef idx="1">
+                      <a:schemeClr val="accent1"/>
+                    </a:fillRef>
+                    <a:effectRef idx="0">
+                      <a:schemeClr val="accent1"/>
+                    </a:effectRef>
+                    <a:fontRef idx="minor">
+                      <a:schemeClr val="lt1"/>
+                    </a:fontRef>
+                  </p:style>
+                  <p:txBody>
+                    <a:bodyPr rtlCol="0" anchor="ctr"/>
+                    <a:lstStyle/>
+                    <a:p>
+                      <a:pPr algn="ctr"/>
+                      <a:r>
+                        <a:rPr lang="en-US" altLang="ko-KR" sz="900" dirty="0"/>
+                        <a:t>SysB</a:t>
+                      </a:r>
+                    </a:p>
+                    <a:p>
+                      <a:pPr algn="ctr"/>
+                      <a:r>
+                        <a:rPr lang="en-US" altLang="ko-KR" sz="900" dirty="0"/>
+                        <a:t>.Func1</a:t>
+                      </a:r>
+                      <a:endParaRPr lang="ko-KR" altLang="en-US" sz="900" dirty="0"/>
+                    </a:p>
+                  </p:txBody>
+                </p:sp>
+                <p:sp>
+                  <p:nvSpPr>
+                    <p:cNvPr id="7" name="타원 6">
+                      <a:extLst>
+                        <a:ext uri="{FF2B5EF4-FFF2-40B4-BE49-F238E27FC236}">
+                          <a16:creationId xmlns:a16="http://schemas.microsoft.com/office/drawing/2014/main" id="{6C9C7DED-2AAA-3CE9-E3D6-74EE5BBF72C8}"/>
+                        </a:ext>
+                      </a:extLst>
+                    </p:cNvPr>
+                    <p:cNvSpPr/>
+                    <p:nvPr/>
+                  </p:nvSpPr>
+                  <p:spPr>
+                    <a:xfrm>
+                      <a:off x="7040527" y="4162777"/>
+                      <a:ext cx="2424718" cy="839199"/>
+                    </a:xfrm>
+                    <a:prstGeom prst="ellipse">
+                      <a:avLst/>
+                    </a:prstGeom>
+                    <a:ln>
+                      <a:solidFill>
+                        <a:schemeClr val="accent1"/>
+                      </a:solidFill>
+                    </a:ln>
+                  </p:spPr>
+                  <p:style>
+                    <a:lnRef idx="2">
+                      <a:schemeClr val="accent1">
+                        <a:shade val="50000"/>
+                      </a:schemeClr>
+                    </a:lnRef>
+                    <a:fillRef idx="1">
+                      <a:schemeClr val="accent1"/>
+                    </a:fillRef>
+                    <a:effectRef idx="0">
+                      <a:schemeClr val="accent1"/>
+                    </a:effectRef>
+                    <a:fontRef idx="minor">
+                      <a:schemeClr val="lt1"/>
+                    </a:fontRef>
+                  </p:style>
+                  <p:txBody>
+                    <a:bodyPr rtlCol="0" anchor="ctr"/>
+                    <a:lstStyle/>
+                    <a:p>
+                      <a:pPr algn="ctr"/>
+                      <a:r>
+                        <a:rPr lang="en-US" altLang="ko-KR" sz="1000" dirty="0"/>
+                        <a:t>SysB</a:t>
+                      </a:r>
+                    </a:p>
+                    <a:p>
+                      <a:pPr algn="ctr"/>
+                      <a:r>
+                        <a:rPr lang="en-US" altLang="ko-KR" sz="1000" dirty="0"/>
+                        <a:t>.Func2</a:t>
+                      </a:r>
+                      <a:endParaRPr lang="ko-KR" altLang="en-US" sz="1000" dirty="0"/>
+                    </a:p>
+                  </p:txBody>
+                </p:sp>
+              </p:grpSp>
+            </p:grpSp>
+            <p:sp>
+              <p:nvSpPr>
+                <p:cNvPr id="23" name="타원 22">
+                  <a:extLst>
+                    <a:ext uri="{FF2B5EF4-FFF2-40B4-BE49-F238E27FC236}">
+                      <a16:creationId xmlns:a16="http://schemas.microsoft.com/office/drawing/2014/main" id="{2A59823F-60D6-767B-7621-A1E673C5E6F1}"/>
+                    </a:ext>
+                  </a:extLst>
+                </p:cNvPr>
+                <p:cNvSpPr/>
+                <p:nvPr/>
+              </p:nvSpPr>
+              <p:spPr>
+                <a:xfrm>
+                  <a:off x="7040526" y="2883199"/>
+                  <a:ext cx="2424718" cy="839199"/>
+                </a:xfrm>
+                <a:prstGeom prst="ellipse">
+                  <a:avLst/>
+                </a:prstGeom>
+              </p:spPr>
+              <p:style>
+                <a:lnRef idx="2">
+                  <a:schemeClr val="accent1">
+                    <a:shade val="50000"/>
+                  </a:schemeClr>
+                </a:lnRef>
+                <a:fillRef idx="1">
+                  <a:schemeClr val="accent1"/>
+                </a:fillRef>
+                <a:effectRef idx="0">
+                  <a:schemeClr val="accent1"/>
+                </a:effectRef>
+                <a:fontRef idx="minor">
+                  <a:schemeClr val="lt1"/>
+                </a:fontRef>
+              </p:style>
+              <p:txBody>
+                <a:bodyPr rtlCol="0" anchor="ctr"/>
+                <a:lstStyle/>
+                <a:p>
+                  <a:pPr algn="ctr"/>
+                  <a:r>
+                    <a:rPr lang="en-US" altLang="ko-KR" sz="1000" dirty="0"/>
+                    <a:t>SysB</a:t>
+                  </a:r>
+                </a:p>
+                <a:p>
+                  <a:pPr algn="ctr"/>
+                  <a:r>
+                    <a:rPr lang="en-US" altLang="ko-KR" sz="1000" dirty="0"/>
+                    <a:t>.Func1</a:t>
+                  </a:r>
+                  <a:endParaRPr lang="ko-KR" altLang="en-US" sz="1000" dirty="0"/>
+                </a:p>
+              </p:txBody>
+            </p:sp>
+          </p:grpSp>
+          <p:cxnSp>
+            <p:nvCxnSpPr>
+              <p:cNvPr id="84" name="직선 화살표 연결선 83">
+                <a:extLst>
+                  <a:ext uri="{FF2B5EF4-FFF2-40B4-BE49-F238E27FC236}">
+                    <a16:creationId xmlns:a16="http://schemas.microsoft.com/office/drawing/2014/main" id="{708FC434-C24E-8760-3603-8866FDA68F02}"/>
+                  </a:ext>
+                </a:extLst>
+              </p:cNvPr>
+              <p:cNvCxnSpPr>
+                <a:cxnSpLocks/>
+                <a:stCxn id="37" idx="6"/>
+                <a:endCxn id="23" idx="2"/>
+              </p:cNvCxnSpPr>
+              <p:nvPr/>
+            </p:nvCxnSpPr>
+            <p:spPr>
+              <a:xfrm>
+                <a:off x="3152018" y="3629496"/>
+                <a:ext cx="897921" cy="0"/>
+              </a:xfrm>
+              <a:prstGeom prst="straightConnector1">
+                <a:avLst/>
+              </a:prstGeom>
+              <a:ln>
+                <a:tailEnd type="triangle"/>
+              </a:ln>
+            </p:spPr>
+            <p:style>
+              <a:lnRef idx="1">
+                <a:schemeClr val="accent1"/>
+              </a:lnRef>
+              <a:fillRef idx="0">
+                <a:schemeClr val="accent1"/>
+              </a:fillRef>
+              <a:effectRef idx="0">
+                <a:schemeClr val="accent1"/>
+              </a:effectRef>
+              <a:fontRef idx="minor">
+                <a:schemeClr val="tx1"/>
+              </a:fontRef>
+            </p:style>
+          </p:cxnSp>
+        </p:grpSp>
+        <p:cxnSp>
+          <p:nvCxnSpPr>
+            <p:cNvPr id="5" name="직선 연결선 4">
+              <a:extLst>
+                <a:ext uri="{FF2B5EF4-FFF2-40B4-BE49-F238E27FC236}">
+                  <a16:creationId xmlns:a16="http://schemas.microsoft.com/office/drawing/2014/main" id="{B2903C9A-7E9D-7B92-E96B-7F51C8E29520}"/>
+                </a:ext>
+              </a:extLst>
+            </p:cNvPr>
+            <p:cNvCxnSpPr>
+              <a:stCxn id="37" idx="4"/>
+              <a:endCxn id="36" idx="0"/>
+            </p:cNvCxnSpPr>
+            <p:nvPr/>
+          </p:nvCxnSpPr>
+          <p:spPr>
+            <a:xfrm>
+              <a:off x="2510236" y="3934615"/>
+              <a:ext cx="14636" cy="285067"/>
+            </a:xfrm>
+            <a:prstGeom prst="line">
+              <a:avLst/>
+            </a:prstGeom>
+          </p:spPr>
+          <p:style>
+            <a:lnRef idx="1">
+              <a:schemeClr val="accent1"/>
+            </a:lnRef>
+            <a:fillRef idx="0">
+              <a:schemeClr val="accent1"/>
+            </a:fillRef>
+            <a:effectRef idx="0">
+              <a:schemeClr val="accent1"/>
+            </a:effectRef>
+            <a:fontRef idx="minor">
+              <a:schemeClr val="tx1"/>
+            </a:fontRef>
+          </p:style>
+        </p:cxnSp>
+        <p:cxnSp>
+          <p:nvCxnSpPr>
+            <p:cNvPr id="8" name="직선 연결선 7">
+              <a:extLst>
+                <a:ext uri="{FF2B5EF4-FFF2-40B4-BE49-F238E27FC236}">
+                  <a16:creationId xmlns:a16="http://schemas.microsoft.com/office/drawing/2014/main" id="{203441F8-3A83-E33C-09A1-92C4A3952B0D}"/>
+                </a:ext>
+              </a:extLst>
+            </p:cNvPr>
+            <p:cNvCxnSpPr>
+              <a:cxnSpLocks/>
+              <a:stCxn id="23" idx="4"/>
+              <a:endCxn id="7" idx="0"/>
+            </p:cNvCxnSpPr>
+            <p:nvPr/>
+          </p:nvCxnSpPr>
+          <p:spPr>
+            <a:xfrm>
+              <a:off x="4610118" y="3950039"/>
+              <a:ext cx="0" cy="336417"/>
+            </a:xfrm>
+            <a:prstGeom prst="line">
+              <a:avLst/>
+            </a:prstGeom>
+          </p:spPr>
+          <p:style>
+            <a:lnRef idx="1">
+              <a:schemeClr val="accent1"/>
+            </a:lnRef>
+            <a:fillRef idx="0">
+              <a:schemeClr val="accent1"/>
+            </a:fillRef>
+            <a:effectRef idx="0">
+              <a:schemeClr val="accent1"/>
+            </a:effectRef>
+            <a:fontRef idx="minor">
+              <a:schemeClr val="tx1"/>
+            </a:fontRef>
+          </p:style>
+        </p:cxnSp>
+      </p:grpSp>
+    </p:spTree>
+    <p:extLst>
+      <p:ext uri="{BB962C8B-B14F-4D97-AF65-F5344CB8AC3E}">
+        <p14:creationId xmlns:p14="http://schemas.microsoft.com/office/powerpoint/2010/main" val="4193655702"/>
+      </p:ext>
+    </p:extLst>
+  </p:cSld>
+  <p:clrMapOvr>
+    <a:masterClrMapping/>
+  </p:clrMapOvr>
+</p:sld>
+</file>
+
+<file path=ppt/slides/slide6.xml><?xml version="1.0" encoding="utf-8"?>
+<p:sld xmlns:a="http://schemas.openxmlformats.org/drawingml/2006/main" xmlns:r="http://schemas.openxmlformats.org/officeDocument/2006/relationships" xmlns:p="http://schemas.openxmlformats.org/presentationml/2006/main">
+  <p:cSld>
+    <p:spTree>
+      <p:nvGrpSpPr>
+        <p:cNvPr id="1" name=""/>
+        <p:cNvGrpSpPr/>
+        <p:nvPr/>
+      </p:nvGrpSpPr>
+      <p:grpSpPr>
+        <a:xfrm>
+          <a:off x="0" y="0"/>
+          <a:ext cx="0" cy="0"/>
+          <a:chOff x="0" y="0"/>
+          <a:chExt cx="0" cy="0"/>
+        </a:xfrm>
+      </p:grpSpPr>
+      <p:sp>
+        <p:nvSpPr>
+          <p:cNvPr id="2" name="제목 1">
+            <a:extLst>
+              <a:ext uri="{FF2B5EF4-FFF2-40B4-BE49-F238E27FC236}">
+                <a16:creationId xmlns:a16="http://schemas.microsoft.com/office/drawing/2014/main" id="{E35BEC89-0CFB-7F29-D8C7-71B3E64B4D66}"/>
+              </a:ext>
+            </a:extLst>
+          </p:cNvPr>
+          <p:cNvSpPr>
+            <a:spLocks noGrp="1"/>
+          </p:cNvSpPr>
+          <p:nvPr>
+            <p:ph type="title"/>
+          </p:nvPr>
+        </p:nvSpPr>
+        <p:spPr/>
+        <p:txBody>
+          <a:bodyPr/>
+          <a:lstStyle/>
+          <a:p>
+            <a:r>
+              <a:rPr lang="en-US" altLang="ko-KR" dirty="0"/>
+              <a:t>$SystemB</a:t>
+            </a:r>
+            <a:endParaRPr lang="ko-KR" altLang="en-US" dirty="0"/>
+          </a:p>
+        </p:txBody>
+      </p:sp>
+      <p:sp>
+        <p:nvSpPr>
+          <p:cNvPr id="6" name="직사각형 5">
+            <a:extLst>
+              <a:ext uri="{FF2B5EF4-FFF2-40B4-BE49-F238E27FC236}">
+                <a16:creationId xmlns:a16="http://schemas.microsoft.com/office/drawing/2014/main" id="{061E75B7-681C-366D-275B-8BF147396AC9}"/>
+              </a:ext>
+            </a:extLst>
+          </p:cNvPr>
+          <p:cNvSpPr/>
+          <p:nvPr/>
+        </p:nvSpPr>
+        <p:spPr>
+          <a:xfrm>
+            <a:off x="4604203" y="1948142"/>
+            <a:ext cx="1103086" cy="1066431"/>
+          </a:xfrm>
+          <a:prstGeom prst="rect">
+            <a:avLst/>
+          </a:prstGeom>
+          <a:ln>
+            <a:noFill/>
+          </a:ln>
+        </p:spPr>
+        <p:style>
+          <a:lnRef idx="2">
+            <a:schemeClr val="accent1">
+              <a:shade val="50000"/>
+            </a:schemeClr>
+          </a:lnRef>
+          <a:fillRef idx="1">
+            <a:schemeClr val="accent1"/>
+          </a:fillRef>
+          <a:effectRef idx="0">
+            <a:schemeClr val="accent1"/>
+          </a:effectRef>
+          <a:fontRef idx="minor">
+            <a:schemeClr val="lt1"/>
+          </a:fontRef>
+        </p:style>
+        <p:txBody>
+          <a:bodyPr rtlCol="0" anchor="ctr"/>
+          <a:lstStyle/>
+          <a:p>
+            <a:pPr algn="ctr"/>
+            <a:r>
+              <a:rPr lang="en-US" altLang="ko-KR" sz="2800" dirty="0"/>
+              <a:t>R3</a:t>
+            </a:r>
+            <a:endParaRPr lang="ko-KR" altLang="en-US" sz="2800" dirty="0"/>
+          </a:p>
+        </p:txBody>
+      </p:sp>
+      <p:cxnSp>
+        <p:nvCxnSpPr>
+          <p:cNvPr id="8" name="직선 화살표 연결선 7">
+            <a:extLst>
+              <a:ext uri="{FF2B5EF4-FFF2-40B4-BE49-F238E27FC236}">
+                <a16:creationId xmlns:a16="http://schemas.microsoft.com/office/drawing/2014/main" id="{937DD01D-AD0B-1FA8-2019-457FFAB8C0FE}"/>
+              </a:ext>
+            </a:extLst>
+          </p:cNvPr>
+          <p:cNvCxnSpPr>
+            <a:cxnSpLocks/>
+            <a:stCxn id="3" idx="3"/>
+            <a:endCxn id="6" idx="1"/>
+          </p:cNvCxnSpPr>
+          <p:nvPr/>
+        </p:nvCxnSpPr>
+        <p:spPr>
+          <a:xfrm flipV="1">
+            <a:off x="2136775" y="2481358"/>
+            <a:ext cx="2467428" cy="1"/>
+          </a:xfrm>
+          <a:prstGeom prst="straightConnector1">
+            <a:avLst/>
+          </a:prstGeom>
+          <a:ln w="57150" cmpd="dbl">
+            <a:solidFill>
+              <a:schemeClr val="tx1">
+                <a:lumMod val="75000"/>
+                <a:lumOff val="25000"/>
+              </a:schemeClr>
+            </a:solidFill>
+            <a:tailEnd type="triangle"/>
+          </a:ln>
+        </p:spPr>
+        <p:style>
+          <a:lnRef idx="1">
+            <a:schemeClr val="dk1"/>
+          </a:lnRef>
+          <a:fillRef idx="3">
+            <a:schemeClr val="dk1"/>
+          </a:fillRef>
+          <a:effectRef idx="2">
+            <a:schemeClr val="dk1"/>
+          </a:effectRef>
+          <a:fontRef idx="minor">
+            <a:schemeClr val="lt1"/>
+          </a:fontRef>
+        </p:style>
+      </p:cxnSp>
+      <p:sp>
+        <p:nvSpPr>
+          <p:cNvPr id="23" name="직사각형 22">
+            <a:extLst>
+              <a:ext uri="{FF2B5EF4-FFF2-40B4-BE49-F238E27FC236}">
+                <a16:creationId xmlns:a16="http://schemas.microsoft.com/office/drawing/2014/main" id="{84529DA7-F1E1-F0E2-637D-64CC7C6F697B}"/>
+              </a:ext>
+            </a:extLst>
+          </p:cNvPr>
+          <p:cNvSpPr/>
+          <p:nvPr/>
+        </p:nvSpPr>
+        <p:spPr>
+          <a:xfrm>
+            <a:off x="6389460" y="1948141"/>
+            <a:ext cx="1103086" cy="1066431"/>
+          </a:xfrm>
+          <a:prstGeom prst="rect">
+            <a:avLst/>
+          </a:prstGeom>
+          <a:ln/>
+        </p:spPr>
+        <p:style>
+          <a:lnRef idx="1">
+            <a:schemeClr val="dk1"/>
+          </a:lnRef>
+          <a:fillRef idx="3">
+            <a:schemeClr val="dk1"/>
+          </a:fillRef>
+          <a:effectRef idx="2">
+            <a:schemeClr val="dk1"/>
+          </a:effectRef>
+          <a:fontRef idx="minor">
+            <a:schemeClr val="lt1"/>
+          </a:fontRef>
+        </p:style>
+        <p:txBody>
+          <a:bodyPr rtlCol="0" anchor="ctr"/>
+          <a:lstStyle/>
+          <a:p>
+            <a:pPr algn="ctr"/>
+            <a:r>
+              <a:rPr lang="en-US" altLang="ko-KR" sz="2800" dirty="0"/>
+              <a:t>R4</a:t>
+            </a:r>
+            <a:endParaRPr lang="ko-KR" altLang="en-US" sz="2800" dirty="0"/>
+          </a:p>
+        </p:txBody>
+      </p:sp>
+      <p:sp>
+        <p:nvSpPr>
+          <p:cNvPr id="27" name="직사각형 26">
+            <a:extLst>
+              <a:ext uri="{FF2B5EF4-FFF2-40B4-BE49-F238E27FC236}">
+                <a16:creationId xmlns:a16="http://schemas.microsoft.com/office/drawing/2014/main" id="{8D9A5CA6-1556-A2DB-9B44-FFAA075F7066}"/>
+              </a:ext>
+            </a:extLst>
+          </p:cNvPr>
+          <p:cNvSpPr/>
+          <p:nvPr/>
+        </p:nvSpPr>
+        <p:spPr>
+          <a:xfrm>
+            <a:off x="3472089" y="3938868"/>
+            <a:ext cx="1103086" cy="1066431"/>
+          </a:xfrm>
+          <a:prstGeom prst="rect">
+            <a:avLst/>
+          </a:prstGeom>
+          <a:ln>
+            <a:noFill/>
+          </a:ln>
+        </p:spPr>
+        <p:style>
+          <a:lnRef idx="2">
+            <a:schemeClr val="accent1">
+              <a:shade val="50000"/>
+            </a:schemeClr>
+          </a:lnRef>
+          <a:fillRef idx="1">
+            <a:schemeClr val="accent1"/>
+          </a:fillRef>
+          <a:effectRef idx="0">
+            <a:schemeClr val="accent1"/>
+          </a:effectRef>
+          <a:fontRef idx="minor">
+            <a:schemeClr val="lt1"/>
+          </a:fontRef>
+        </p:style>
+        <p:txBody>
+          <a:bodyPr rtlCol="0" anchor="ctr"/>
+          <a:lstStyle/>
+          <a:p>
+            <a:pPr algn="ctr"/>
+            <a:r>
+              <a:rPr lang="en-US" altLang="ko-KR" sz="2800" dirty="0"/>
+              <a:t>R5</a:t>
+            </a:r>
+            <a:endParaRPr lang="ko-KR" altLang="en-US" sz="2800" dirty="0"/>
+          </a:p>
+        </p:txBody>
+      </p:sp>
+      <p:sp>
+        <p:nvSpPr>
+          <p:cNvPr id="28" name="직사각형 27">
+            <a:extLst>
+              <a:ext uri="{FF2B5EF4-FFF2-40B4-BE49-F238E27FC236}">
+                <a16:creationId xmlns:a16="http://schemas.microsoft.com/office/drawing/2014/main" id="{C872A8B1-6758-977A-F148-0D8F06CC853E}"/>
+              </a:ext>
+            </a:extLst>
+          </p:cNvPr>
+          <p:cNvSpPr/>
+          <p:nvPr/>
+        </p:nvSpPr>
+        <p:spPr>
+          <a:xfrm>
+            <a:off x="5257346" y="3938868"/>
+            <a:ext cx="1103086" cy="1066431"/>
+          </a:xfrm>
+          <a:prstGeom prst="rect">
+            <a:avLst/>
+          </a:prstGeom>
+          <a:ln/>
+        </p:spPr>
+        <p:style>
+          <a:lnRef idx="1">
+            <a:schemeClr val="dk1"/>
+          </a:lnRef>
+          <a:fillRef idx="3">
+            <a:schemeClr val="dk1"/>
+          </a:fillRef>
+          <a:effectRef idx="2">
+            <a:schemeClr val="dk1"/>
+          </a:effectRef>
+          <a:fontRef idx="minor">
+            <a:schemeClr val="lt1"/>
+          </a:fontRef>
+        </p:style>
+        <p:txBody>
+          <a:bodyPr rtlCol="0" anchor="ctr"/>
+          <a:lstStyle/>
+          <a:p>
+            <a:pPr algn="ctr"/>
+            <a:r>
+              <a:rPr lang="en-US" altLang="ko-KR" sz="1600" dirty="0"/>
+              <a:t>R6</a:t>
+            </a:r>
+            <a:endParaRPr lang="ko-KR" altLang="en-US" sz="1600" dirty="0"/>
+          </a:p>
+        </p:txBody>
+      </p:sp>
+      <p:sp>
+        <p:nvSpPr>
+          <p:cNvPr id="30" name="직사각형 29">
+            <a:extLst>
+              <a:ext uri="{FF2B5EF4-FFF2-40B4-BE49-F238E27FC236}">
+                <a16:creationId xmlns:a16="http://schemas.microsoft.com/office/drawing/2014/main" id="{D438A902-C063-F394-7814-44C4B836C87F}"/>
+              </a:ext>
+            </a:extLst>
+          </p:cNvPr>
+          <p:cNvSpPr/>
+          <p:nvPr/>
+        </p:nvSpPr>
+        <p:spPr>
+          <a:xfrm>
+            <a:off x="7042603" y="3938867"/>
+            <a:ext cx="1103086" cy="1066431"/>
+          </a:xfrm>
+          <a:prstGeom prst="rect">
+            <a:avLst/>
+          </a:prstGeom>
+          <a:ln>
+            <a:noFill/>
+          </a:ln>
+        </p:spPr>
+        <p:style>
+          <a:lnRef idx="2">
+            <a:schemeClr val="accent1">
+              <a:shade val="50000"/>
+            </a:schemeClr>
+          </a:lnRef>
+          <a:fillRef idx="1">
+            <a:schemeClr val="accent1"/>
+          </a:fillRef>
+          <a:effectRef idx="0">
+            <a:schemeClr val="accent1"/>
+          </a:effectRef>
+          <a:fontRef idx="minor">
+            <a:schemeClr val="lt1"/>
+          </a:fontRef>
+        </p:style>
+        <p:txBody>
+          <a:bodyPr rtlCol="0" anchor="ctr"/>
+          <a:lstStyle/>
+          <a:p>
+            <a:pPr algn="ctr"/>
+            <a:r>
+              <a:rPr lang="en-US" altLang="ko-KR" sz="2800" dirty="0"/>
+              <a:t>R7</a:t>
+            </a:r>
+            <a:endParaRPr lang="ko-KR" altLang="en-US" sz="2800" dirty="0"/>
+          </a:p>
+        </p:txBody>
+      </p:sp>
+      <p:cxnSp>
+        <p:nvCxnSpPr>
+          <p:cNvPr id="31" name="직선 화살표 연결선 30">
+            <a:extLst>
+              <a:ext uri="{FF2B5EF4-FFF2-40B4-BE49-F238E27FC236}">
+                <a16:creationId xmlns:a16="http://schemas.microsoft.com/office/drawing/2014/main" id="{315903F4-6290-5819-44BD-E29DC12B52CE}"/>
+              </a:ext>
+            </a:extLst>
+          </p:cNvPr>
+          <p:cNvCxnSpPr>
+            <a:cxnSpLocks/>
+            <a:stCxn id="28" idx="3"/>
+            <a:endCxn id="30" idx="1"/>
+          </p:cNvCxnSpPr>
+          <p:nvPr/>
+        </p:nvCxnSpPr>
+        <p:spPr>
+          <a:xfrm flipV="1">
+            <a:off x="6360432" y="4472083"/>
+            <a:ext cx="682171" cy="1"/>
+          </a:xfrm>
+          <a:prstGeom prst="straightConnector1">
+            <a:avLst/>
+          </a:prstGeom>
+          <a:ln w="57150" cmpd="dbl">
+            <a:solidFill>
+              <a:schemeClr val="tx1">
+                <a:lumMod val="75000"/>
+                <a:lumOff val="25000"/>
+              </a:schemeClr>
+            </a:solidFill>
+            <a:tailEnd type="triangle"/>
+          </a:ln>
+        </p:spPr>
+        <p:style>
+          <a:lnRef idx="1">
+            <a:schemeClr val="dk1"/>
+          </a:lnRef>
+          <a:fillRef idx="3">
+            <a:schemeClr val="dk1"/>
+          </a:fillRef>
+          <a:effectRef idx="2">
+            <a:schemeClr val="dk1"/>
+          </a:effectRef>
+          <a:fontRef idx="minor">
+            <a:schemeClr val="lt1"/>
+          </a:fontRef>
+        </p:style>
+      </p:cxnSp>
+      <p:sp>
+        <p:nvSpPr>
+          <p:cNvPr id="32" name="직사각형 31">
+            <a:extLst>
+              <a:ext uri="{FF2B5EF4-FFF2-40B4-BE49-F238E27FC236}">
+                <a16:creationId xmlns:a16="http://schemas.microsoft.com/office/drawing/2014/main" id="{54FE774E-D0B3-6228-F53A-C6E25BD2697C}"/>
+              </a:ext>
+            </a:extLst>
+          </p:cNvPr>
+          <p:cNvSpPr/>
+          <p:nvPr/>
+        </p:nvSpPr>
+        <p:spPr>
+          <a:xfrm>
+            <a:off x="8827860" y="3938866"/>
+            <a:ext cx="1103086" cy="1066431"/>
+          </a:xfrm>
+          <a:prstGeom prst="rect">
+            <a:avLst/>
+          </a:prstGeom>
+          <a:ln/>
+        </p:spPr>
+        <p:style>
+          <a:lnRef idx="1">
+            <a:schemeClr val="dk1"/>
+          </a:lnRef>
+          <a:fillRef idx="3">
+            <a:schemeClr val="dk1"/>
+          </a:fillRef>
+          <a:effectRef idx="2">
+            <a:schemeClr val="dk1"/>
+          </a:effectRef>
+          <a:fontRef idx="minor">
+            <a:schemeClr val="lt1"/>
+          </a:fontRef>
+        </p:style>
+        <p:txBody>
+          <a:bodyPr rtlCol="0" anchor="ctr"/>
+          <a:lstStyle/>
+          <a:p>
+            <a:pPr algn="ctr"/>
+            <a:r>
+              <a:rPr lang="en-US" altLang="ko-KR" sz="2800" dirty="0"/>
+              <a:t>R8</a:t>
+            </a:r>
+            <a:endParaRPr lang="ko-KR" altLang="en-US" sz="2800" dirty="0"/>
+          </a:p>
+        </p:txBody>
+      </p:sp>
+      <p:cxnSp>
+        <p:nvCxnSpPr>
+          <p:cNvPr id="34" name="직선 화살표 연결선 33">
+            <a:extLst>
+              <a:ext uri="{FF2B5EF4-FFF2-40B4-BE49-F238E27FC236}">
+                <a16:creationId xmlns:a16="http://schemas.microsoft.com/office/drawing/2014/main" id="{BCE5F096-013D-B399-F64B-7CCA327AC07B}"/>
+              </a:ext>
+            </a:extLst>
+          </p:cNvPr>
+          <p:cNvCxnSpPr>
+            <a:cxnSpLocks/>
+            <a:stCxn id="27" idx="3"/>
+            <a:endCxn id="6" idx="2"/>
+          </p:cNvCxnSpPr>
+          <p:nvPr/>
+        </p:nvCxnSpPr>
+        <p:spPr>
+          <a:xfrm flipV="1">
+            <a:off x="4575175" y="3014573"/>
+            <a:ext cx="580571" cy="1457511"/>
+          </a:xfrm>
+          <a:prstGeom prst="straightConnector1">
+            <a:avLst/>
+          </a:prstGeom>
+          <a:ln w="57150" cmpd="dbl">
+            <a:solidFill>
+              <a:schemeClr val="tx1">
+                <a:lumMod val="75000"/>
+                <a:lumOff val="25000"/>
+              </a:schemeClr>
+            </a:solidFill>
+            <a:prstDash val="sysDot"/>
+            <a:tailEnd type="triangle"/>
+          </a:ln>
+        </p:spPr>
+        <p:style>
+          <a:lnRef idx="1">
+            <a:schemeClr val="dk1"/>
+          </a:lnRef>
+          <a:fillRef idx="3">
+            <a:schemeClr val="dk1"/>
+          </a:fillRef>
+          <a:effectRef idx="2">
+            <a:schemeClr val="dk1"/>
+          </a:effectRef>
+          <a:fontRef idx="minor">
+            <a:schemeClr val="lt1"/>
+          </a:fontRef>
+        </p:style>
+      </p:cxnSp>
+      <p:cxnSp>
+        <p:nvCxnSpPr>
+          <p:cNvPr id="37" name="직선 화살표 연결선 36">
+            <a:extLst>
+              <a:ext uri="{FF2B5EF4-FFF2-40B4-BE49-F238E27FC236}">
+                <a16:creationId xmlns:a16="http://schemas.microsoft.com/office/drawing/2014/main" id="{B394657E-1D91-FDF8-9F12-E15F0BDFB1CC}"/>
+              </a:ext>
+            </a:extLst>
+          </p:cNvPr>
+          <p:cNvCxnSpPr>
+            <a:cxnSpLocks/>
+            <a:stCxn id="30" idx="3"/>
+            <a:endCxn id="32" idx="1"/>
+          </p:cNvCxnSpPr>
+          <p:nvPr/>
+        </p:nvCxnSpPr>
+        <p:spPr>
+          <a:xfrm flipV="1">
+            <a:off x="8145689" y="4472082"/>
+            <a:ext cx="682171" cy="1"/>
+          </a:xfrm>
+          <a:prstGeom prst="straightConnector1">
+            <a:avLst/>
+          </a:prstGeom>
+          <a:ln w="57150" cmpd="sng">
+            <a:solidFill>
+              <a:schemeClr val="tx1">
+                <a:lumMod val="75000"/>
+                <a:lumOff val="25000"/>
+              </a:schemeClr>
+            </a:solidFill>
+            <a:prstDash val="solid"/>
+            <a:headEnd type="diamond" w="med" len="med"/>
+            <a:tailEnd type="triangle" w="med" len="med"/>
+          </a:ln>
+        </p:spPr>
+        <p:style>
+          <a:lnRef idx="1">
+            <a:schemeClr val="dk1"/>
+          </a:lnRef>
+          <a:fillRef idx="3">
+            <a:schemeClr val="dk1"/>
+          </a:fillRef>
+          <a:effectRef idx="2">
+            <a:schemeClr val="dk1"/>
+          </a:effectRef>
+          <a:fontRef idx="minor">
+            <a:schemeClr val="lt1"/>
+          </a:fontRef>
+        </p:style>
+      </p:cxnSp>
+      <p:cxnSp>
+        <p:nvCxnSpPr>
+          <p:cNvPr id="41" name="직선 화살표 연결선 40">
+            <a:extLst>
+              <a:ext uri="{FF2B5EF4-FFF2-40B4-BE49-F238E27FC236}">
+                <a16:creationId xmlns:a16="http://schemas.microsoft.com/office/drawing/2014/main" id="{FCBA2FDB-59E5-E024-DDAB-2BE44772FB35}"/>
+              </a:ext>
+            </a:extLst>
+          </p:cNvPr>
+          <p:cNvCxnSpPr>
+            <a:cxnSpLocks/>
+            <a:stCxn id="6" idx="2"/>
+            <a:endCxn id="28" idx="0"/>
+          </p:cNvCxnSpPr>
+          <p:nvPr/>
+        </p:nvCxnSpPr>
+        <p:spPr>
+          <a:xfrm>
+            <a:off x="5155746" y="3014573"/>
+            <a:ext cx="653143" cy="924295"/>
+          </a:xfrm>
+          <a:prstGeom prst="straightConnector1">
+            <a:avLst/>
+          </a:prstGeom>
+          <a:ln w="57150" cmpd="sng">
+            <a:solidFill>
+              <a:schemeClr val="tx1">
+                <a:lumMod val="75000"/>
+                <a:lumOff val="25000"/>
+              </a:schemeClr>
+            </a:solidFill>
+            <a:prstDash val="sysDash"/>
+            <a:headEnd type="triangle" w="med" len="med"/>
+            <a:tailEnd type="triangle" w="med" len="med"/>
+          </a:ln>
+        </p:spPr>
+        <p:style>
+          <a:lnRef idx="1">
+            <a:schemeClr val="dk1"/>
+          </a:lnRef>
+          <a:fillRef idx="3">
+            <a:schemeClr val="dk1"/>
+          </a:fillRef>
+          <a:effectRef idx="2">
+            <a:schemeClr val="dk1"/>
+          </a:effectRef>
+          <a:fontRef idx="minor">
+            <a:schemeClr val="lt1"/>
+          </a:fontRef>
+        </p:style>
+      </p:cxnSp>
+      <p:sp>
+        <p:nvSpPr>
+          <p:cNvPr id="14" name="화살표: 오각형 13">
+            <a:extLst>
+              <a:ext uri="{FF2B5EF4-FFF2-40B4-BE49-F238E27FC236}">
+                <a16:creationId xmlns:a16="http://schemas.microsoft.com/office/drawing/2014/main" id="{8725074D-36E0-7F2F-7A2B-F621B5BB2CA1}"/>
+              </a:ext>
+            </a:extLst>
+          </p:cNvPr>
+          <p:cNvSpPr/>
+          <p:nvPr/>
+        </p:nvSpPr>
+        <p:spPr>
+          <a:xfrm>
+            <a:off x="11353800" y="714375"/>
+            <a:ext cx="1047750" cy="619125"/>
+          </a:xfrm>
+          <a:prstGeom prst="homePlate">
+            <a:avLst/>
+          </a:prstGeom>
+        </p:spPr>
+        <p:style>
+          <a:lnRef idx="2">
+            <a:schemeClr val="accent1">
+              <a:shade val="50000"/>
+            </a:schemeClr>
+          </a:lnRef>
+          <a:fillRef idx="1">
+            <a:schemeClr val="accent1"/>
+          </a:fillRef>
+          <a:effectRef idx="0">
+            <a:schemeClr val="accent1"/>
+          </a:effectRef>
+          <a:fontRef idx="minor">
+            <a:schemeClr val="lt1"/>
+          </a:fontRef>
+        </p:style>
+        <p:txBody>
+          <a:bodyPr rtlCol="0" anchor="ctr"/>
+          <a:lstStyle/>
+          <a:p>
+            <a:pPr algn="ctr"/>
+            <a:r>
+              <a:rPr lang="en-US" altLang="ko-KR" dirty="0"/>
+              <a:t>Func1</a:t>
+            </a:r>
+            <a:endParaRPr lang="ko-KR" altLang="en-US" dirty="0"/>
+          </a:p>
+        </p:txBody>
+      </p:sp>
+      <p:sp>
+        <p:nvSpPr>
+          <p:cNvPr id="15" name="화살표: 오각형 14">
+            <a:extLst>
+              <a:ext uri="{FF2B5EF4-FFF2-40B4-BE49-F238E27FC236}">
+                <a16:creationId xmlns:a16="http://schemas.microsoft.com/office/drawing/2014/main" id="{85456C12-4CC4-16A1-CB67-9E14515D474F}"/>
+              </a:ext>
+            </a:extLst>
+          </p:cNvPr>
+          <p:cNvSpPr/>
+          <p:nvPr/>
+        </p:nvSpPr>
+        <p:spPr>
+          <a:xfrm>
+            <a:off x="11353800" y="1607345"/>
+            <a:ext cx="1047750" cy="619125"/>
+          </a:xfrm>
+          <a:prstGeom prst="homePlate">
+            <a:avLst/>
+          </a:prstGeom>
+        </p:spPr>
+        <p:style>
+          <a:lnRef idx="2">
+            <a:schemeClr val="accent1">
+              <a:shade val="50000"/>
+            </a:schemeClr>
+          </a:lnRef>
+          <a:fillRef idx="1">
+            <a:schemeClr val="accent1"/>
+          </a:fillRef>
+          <a:effectRef idx="0">
+            <a:schemeClr val="accent1"/>
+          </a:effectRef>
+          <a:fontRef idx="minor">
+            <a:schemeClr val="lt1"/>
+          </a:fontRef>
+        </p:style>
+        <p:txBody>
+          <a:bodyPr rtlCol="0" anchor="ctr"/>
+          <a:lstStyle/>
+          <a:p>
+            <a:pPr algn="ctr"/>
+            <a:r>
+              <a:rPr lang="en-US" altLang="ko-KR" dirty="0"/>
+              <a:t>Func2</a:t>
+            </a:r>
+            <a:endParaRPr lang="ko-KR" altLang="en-US" dirty="0"/>
+          </a:p>
+        </p:txBody>
+      </p:sp>
+      <p:sp>
+        <p:nvSpPr>
+          <p:cNvPr id="16" name="TextBox 15">
+            <a:extLst>
+              <a:ext uri="{FF2B5EF4-FFF2-40B4-BE49-F238E27FC236}">
+                <a16:creationId xmlns:a16="http://schemas.microsoft.com/office/drawing/2014/main" id="{D4F1BC9F-5976-3C48-308F-CBF6AAD1C0C8}"/>
+              </a:ext>
+            </a:extLst>
+          </p:cNvPr>
+          <p:cNvSpPr txBox="1"/>
+          <p:nvPr/>
+        </p:nvSpPr>
+        <p:spPr>
+          <a:xfrm>
+            <a:off x="5707289" y="629613"/>
+            <a:ext cx="2854115" cy="646331"/>
+          </a:xfrm>
+          <a:prstGeom prst="rect">
+            <a:avLst/>
+          </a:prstGeom>
+          <a:noFill/>
+        </p:spPr>
+        <p:txBody>
+          <a:bodyPr wrap="none" rtlCol="0">
+            <a:spAutoFit/>
+          </a:bodyPr>
+          <a:lstStyle/>
+          <a:p>
+            <a:r>
+              <a:rPr lang="en-US" altLang="ko-KR" sz="3600" dirty="0"/>
+              <a:t>Real Dummy</a:t>
+            </a:r>
+          </a:p>
+        </p:txBody>
+      </p:sp>
+      <p:sp>
+        <p:nvSpPr>
+          <p:cNvPr id="3" name="직사각형 2">
+            <a:extLst>
+              <a:ext uri="{FF2B5EF4-FFF2-40B4-BE49-F238E27FC236}">
+                <a16:creationId xmlns:a16="http://schemas.microsoft.com/office/drawing/2014/main" id="{AE284668-AADC-BBCB-FD0C-C38FD3BAC033}"/>
+              </a:ext>
+            </a:extLst>
+          </p:cNvPr>
+          <p:cNvSpPr/>
+          <p:nvPr/>
+        </p:nvSpPr>
+        <p:spPr>
+          <a:xfrm>
+            <a:off x="1033689" y="1948143"/>
+            <a:ext cx="1103086" cy="1066431"/>
+          </a:xfrm>
+          <a:prstGeom prst="rect">
+            <a:avLst/>
+          </a:prstGeom>
+          <a:ln>
+            <a:noFill/>
+          </a:ln>
+        </p:spPr>
+        <p:style>
+          <a:lnRef idx="2">
+            <a:schemeClr val="accent1">
+              <a:shade val="50000"/>
+            </a:schemeClr>
+          </a:lnRef>
+          <a:fillRef idx="1">
+            <a:schemeClr val="accent1"/>
+          </a:fillRef>
+          <a:effectRef idx="0">
+            <a:schemeClr val="accent1"/>
+          </a:effectRef>
+          <a:fontRef idx="minor">
+            <a:schemeClr val="lt1"/>
+          </a:fontRef>
+        </p:style>
+        <p:txBody>
+          <a:bodyPr rtlCol="0" anchor="ctr"/>
+          <a:lstStyle/>
+          <a:p>
+            <a:pPr algn="ctr"/>
+            <a:r>
+              <a:rPr lang="en-US" altLang="ko-KR" sz="2800" dirty="0"/>
+              <a:t>R1</a:t>
+            </a:r>
+            <a:endParaRPr lang="ko-KR" altLang="en-US" sz="2800" dirty="0"/>
+          </a:p>
+        </p:txBody>
+      </p:sp>
+      <p:sp>
+        <p:nvSpPr>
+          <p:cNvPr id="4" name="직사각형 3">
+            <a:extLst>
+              <a:ext uri="{FF2B5EF4-FFF2-40B4-BE49-F238E27FC236}">
+                <a16:creationId xmlns:a16="http://schemas.microsoft.com/office/drawing/2014/main" id="{74743BFD-24B1-B058-BC70-ED691B775D89}"/>
+              </a:ext>
+            </a:extLst>
+          </p:cNvPr>
+          <p:cNvSpPr/>
+          <p:nvPr/>
+        </p:nvSpPr>
+        <p:spPr>
+          <a:xfrm>
+            <a:off x="1033689" y="3401251"/>
+            <a:ext cx="1103086" cy="1066431"/>
+          </a:xfrm>
+          <a:prstGeom prst="rect">
+            <a:avLst/>
+          </a:prstGeom>
+          <a:ln/>
+        </p:spPr>
+        <p:style>
+          <a:lnRef idx="1">
+            <a:schemeClr val="dk1"/>
+          </a:lnRef>
+          <a:fillRef idx="3">
+            <a:schemeClr val="dk1"/>
+          </a:fillRef>
+          <a:effectRef idx="2">
+            <a:schemeClr val="dk1"/>
+          </a:effectRef>
+          <a:fontRef idx="minor">
+            <a:schemeClr val="lt1"/>
+          </a:fontRef>
+        </p:style>
+        <p:txBody>
+          <a:bodyPr rtlCol="0" anchor="ctr"/>
+          <a:lstStyle/>
+          <a:p>
+            <a:pPr algn="ctr"/>
+            <a:r>
+              <a:rPr lang="en-US" altLang="ko-KR" sz="2800" dirty="0"/>
+              <a:t>R2</a:t>
+            </a:r>
+            <a:endParaRPr lang="ko-KR" altLang="en-US" sz="2800" dirty="0"/>
+          </a:p>
+        </p:txBody>
+      </p:sp>
+      <p:sp>
+        <p:nvSpPr>
+          <p:cNvPr id="20" name="화살표: 오각형 19">
+            <a:extLst>
+              <a:ext uri="{FF2B5EF4-FFF2-40B4-BE49-F238E27FC236}">
+                <a16:creationId xmlns:a16="http://schemas.microsoft.com/office/drawing/2014/main" id="{044000C9-4C5B-91B1-4F3D-5CA597B08F02}"/>
+              </a:ext>
+            </a:extLst>
+          </p:cNvPr>
+          <p:cNvSpPr/>
+          <p:nvPr/>
+        </p:nvSpPr>
+        <p:spPr>
+          <a:xfrm>
+            <a:off x="11353800" y="2500315"/>
+            <a:ext cx="1047750" cy="619125"/>
+          </a:xfrm>
+          <a:prstGeom prst="homePlate">
+            <a:avLst/>
+          </a:prstGeom>
+        </p:spPr>
+        <p:style>
+          <a:lnRef idx="2">
+            <a:schemeClr val="accent1">
+              <a:shade val="50000"/>
+            </a:schemeClr>
+          </a:lnRef>
+          <a:fillRef idx="1">
+            <a:schemeClr val="accent1"/>
+          </a:fillRef>
+          <a:effectRef idx="0">
+            <a:schemeClr val="accent1"/>
+          </a:effectRef>
+          <a:fontRef idx="minor">
+            <a:schemeClr val="lt1"/>
+          </a:fontRef>
+        </p:style>
+        <p:txBody>
+          <a:bodyPr rtlCol="0" anchor="ctr"/>
+          <a:lstStyle/>
+          <a:p>
+            <a:pPr algn="ctr"/>
+            <a:r>
+              <a:rPr lang="en-US" altLang="ko-KR" dirty="0"/>
+              <a:t>Func3</a:t>
+            </a:r>
+            <a:endParaRPr lang="ko-KR" altLang="en-US" dirty="0"/>
+          </a:p>
+        </p:txBody>
+      </p:sp>
+      <p:cxnSp>
+        <p:nvCxnSpPr>
+          <p:cNvPr id="9" name="직선 연결선 8">
+            <a:extLst>
+              <a:ext uri="{FF2B5EF4-FFF2-40B4-BE49-F238E27FC236}">
+                <a16:creationId xmlns:a16="http://schemas.microsoft.com/office/drawing/2014/main" id="{267CE300-981F-A6F5-F2C5-F42B0EF68412}"/>
+              </a:ext>
+            </a:extLst>
+          </p:cNvPr>
+          <p:cNvCxnSpPr>
+            <a:cxnSpLocks/>
+            <a:stCxn id="3" idx="2"/>
+            <a:endCxn id="4" idx="0"/>
+          </p:cNvCxnSpPr>
+          <p:nvPr/>
+        </p:nvCxnSpPr>
+        <p:spPr>
+          <a:xfrm>
+            <a:off x="1585232" y="3014574"/>
+            <a:ext cx="0" cy="386677"/>
+          </a:xfrm>
+          <a:prstGeom prst="line">
+            <a:avLst/>
+          </a:prstGeom>
+          <a:ln>
+            <a:headEnd type="none" w="med" len="med"/>
+            <a:tailEnd type="none" w="med" len="med"/>
+          </a:ln>
+        </p:spPr>
+        <p:style>
+          <a:lnRef idx="1">
+            <a:schemeClr val="accent1"/>
+          </a:lnRef>
+          <a:fillRef idx="0">
+            <a:schemeClr val="accent1"/>
+          </a:fillRef>
+          <a:effectRef idx="0">
+            <a:schemeClr val="accent1"/>
+          </a:effectRef>
+          <a:fontRef idx="minor">
+            <a:schemeClr val="tx1"/>
+          </a:fontRef>
+        </p:style>
+      </p:cxnSp>
+      <p:cxnSp>
+        <p:nvCxnSpPr>
+          <p:cNvPr id="11" name="직선 연결선 10">
+            <a:extLst>
+              <a:ext uri="{FF2B5EF4-FFF2-40B4-BE49-F238E27FC236}">
+                <a16:creationId xmlns:a16="http://schemas.microsoft.com/office/drawing/2014/main" id="{3DD0C2E6-F09D-32A2-1FB0-1A34274DC14B}"/>
+              </a:ext>
+            </a:extLst>
+          </p:cNvPr>
+          <p:cNvCxnSpPr>
+            <a:cxnSpLocks/>
+            <a:stCxn id="6" idx="3"/>
+            <a:endCxn id="23" idx="1"/>
+          </p:cNvCxnSpPr>
+          <p:nvPr/>
+        </p:nvCxnSpPr>
+        <p:spPr>
+          <a:xfrm flipV="1">
+            <a:off x="5707289" y="2481357"/>
+            <a:ext cx="682171" cy="1"/>
+          </a:xfrm>
+          <a:prstGeom prst="line">
+            <a:avLst/>
+          </a:prstGeom>
+          <a:ln>
+            <a:headEnd type="none" w="med" len="med"/>
+            <a:tailEnd type="none" w="med" len="med"/>
+          </a:ln>
+        </p:spPr>
+        <p:style>
+          <a:lnRef idx="1">
+            <a:schemeClr val="accent1"/>
+          </a:lnRef>
+          <a:fillRef idx="0">
+            <a:schemeClr val="accent1"/>
+          </a:fillRef>
+          <a:effectRef idx="0">
+            <a:schemeClr val="accent1"/>
+          </a:effectRef>
+          <a:fontRef idx="minor">
+            <a:schemeClr val="tx1"/>
+          </a:fontRef>
+        </p:style>
+      </p:cxnSp>
+    </p:spTree>
+    <p:extLst>
+      <p:ext uri="{BB962C8B-B14F-4D97-AF65-F5344CB8AC3E}">
+        <p14:creationId xmlns:p14="http://schemas.microsoft.com/office/powerpoint/2010/main" val="2090379766"/>
+      </p:ext>
+    </p:extLst>
+  </p:cSld>
+  <p:clrMapOvr>
+    <a:masterClrMapping/>
+  </p:clrMapOvr>
+</p:sld>
+</file>
+
+<file path=ppt/slides/slide7.xml><?xml version="1.0" encoding="utf-8"?>
+<p:sld xmlns:a="http://schemas.openxmlformats.org/drawingml/2006/main" xmlns:r="http://schemas.openxmlformats.org/officeDocument/2006/relationships" xmlns:p="http://schemas.openxmlformats.org/presentationml/2006/main">
+  <p:cSld>
+    <p:spTree>
+      <p:nvGrpSpPr>
+        <p:cNvPr id="1" name=""/>
+        <p:cNvGrpSpPr/>
+        <p:nvPr/>
+      </p:nvGrpSpPr>
+      <p:grpSpPr>
+        <a:xfrm>
+          <a:off x="0" y="0"/>
+          <a:ext cx="0" cy="0"/>
+          <a:chOff x="0" y="0"/>
+          <a:chExt cx="0" cy="0"/>
+        </a:xfrm>
+      </p:grpSpPr>
+      <p:sp>
+        <p:nvSpPr>
+          <p:cNvPr id="2" name="제목 1">
+            <a:extLst>
+              <a:ext uri="{FF2B5EF4-FFF2-40B4-BE49-F238E27FC236}">
                 <a16:creationId xmlns:a16="http://schemas.microsoft.com/office/drawing/2014/main" id="{14092D3D-3CED-BC66-6FEE-9A9E10271A9B}"/>
               </a:ext>
             </a:extLst>
@@ -14016,7 +15746,7 @@
 </p:sld>
 </file>
 
-<file path=ppt/slides/slide6.xml><?xml version="1.0" encoding="utf-8"?>
+<file path=ppt/slides/slide8.xml><?xml version="1.0" encoding="utf-8"?>
 <p:sld xmlns:a="http://schemas.openxmlformats.org/drawingml/2006/main" xmlns:r="http://schemas.openxmlformats.org/officeDocument/2006/relationships" xmlns:p="http://schemas.openxmlformats.org/presentationml/2006/main">
   <p:cSld>
     <p:spTree>
@@ -15131,7 +16861,7 @@
 </p:sld>
 </file>
 
-<file path=ppt/slides/slide7.xml><?xml version="1.0" encoding="utf-8"?>
+<file path=ppt/slides/slide9.xml><?xml version="1.0" encoding="utf-8"?>
 <p:sld xmlns:a="http://schemas.openxmlformats.org/drawingml/2006/main" xmlns:r="http://schemas.openxmlformats.org/officeDocument/2006/relationships" xmlns:p="http://schemas.openxmlformats.org/presentationml/2006/main">
   <p:cSld>
     <p:spTree>

--- a/DsDotNet/src/UnitTest/UnitTest.Engine/ImportPPT/T0_CaseAll.pptx
+++ b/DsDotNet/src/UnitTest/UnitTest.Engine/ImportPPT/T0_CaseAll.pptx
@@ -11707,6 +11707,187 @@
           </a:fontRef>
         </p:style>
       </p:cxnSp>
+      <p:sp>
+        <p:nvSpPr>
+          <p:cNvPr id="7" name="&quot;허용 안 됨&quot; 기호 6">
+            <a:extLst>
+              <a:ext uri="{FF2B5EF4-FFF2-40B4-BE49-F238E27FC236}">
+                <a16:creationId xmlns:a16="http://schemas.microsoft.com/office/drawing/2014/main" id="{959FDA59-B667-A62F-C7FA-196170419D5C}"/>
+              </a:ext>
+            </a:extLst>
+          </p:cNvPr>
+          <p:cNvSpPr/>
+          <p:nvPr/>
+        </p:nvSpPr>
+        <p:spPr>
+          <a:xfrm>
+            <a:off x="10521217" y="-21337"/>
+            <a:ext cx="1772204" cy="1690778"/>
+          </a:xfrm>
+          <a:prstGeom prst="noSmoking">
+            <a:avLst/>
+          </a:prstGeom>
+          <a:ln>
+            <a:solidFill>
+              <a:schemeClr val="tx1"/>
+            </a:solidFill>
+          </a:ln>
+        </p:spPr>
+        <p:style>
+          <a:lnRef idx="2">
+            <a:schemeClr val="accent1">
+              <a:shade val="50000"/>
+            </a:schemeClr>
+          </a:lnRef>
+          <a:fillRef idx="1">
+            <a:schemeClr val="accent1"/>
+          </a:fillRef>
+          <a:effectRef idx="0">
+            <a:schemeClr val="accent1"/>
+          </a:effectRef>
+          <a:fontRef idx="minor">
+            <a:schemeClr val="lt1"/>
+          </a:fontRef>
+        </p:style>
+        <p:txBody>
+          <a:bodyPr rtlCol="0" anchor="ctr"/>
+          <a:lstStyle/>
+          <a:p>
+            <a:pPr algn="ctr"/>
+            <a:r>
+              <a:rPr lang="en-US" altLang="ko-KR" dirty="0" err="1">
+                <a:solidFill>
+                  <a:schemeClr val="tx1"/>
+                </a:solidFill>
+              </a:rPr>
+              <a:t>EMG1</a:t>
+            </a:r>
+            <a:endParaRPr lang="ko-KR" altLang="en-US" dirty="0">
+              <a:solidFill>
+                <a:schemeClr val="tx1"/>
+              </a:solidFill>
+            </a:endParaRPr>
+          </a:p>
+        </p:txBody>
+      </p:sp>
+      <p:sp>
+        <p:nvSpPr>
+          <p:cNvPr id="9" name="사각형: 빗면 8">
+            <a:extLst>
+              <a:ext uri="{FF2B5EF4-FFF2-40B4-BE49-F238E27FC236}">
+                <a16:creationId xmlns:a16="http://schemas.microsoft.com/office/drawing/2014/main" id="{62C3971E-3AAA-C57D-1AC9-7E00C1C5254B}"/>
+              </a:ext>
+            </a:extLst>
+          </p:cNvPr>
+          <p:cNvSpPr/>
+          <p:nvPr/>
+        </p:nvSpPr>
+        <p:spPr>
+          <a:xfrm>
+            <a:off x="9064748" y="272471"/>
+            <a:ext cx="1104181" cy="1245933"/>
+          </a:xfrm>
+          <a:prstGeom prst="bevel">
+            <a:avLst/>
+          </a:prstGeom>
+          <a:ln>
+            <a:solidFill>
+              <a:schemeClr val="tx1"/>
+            </a:solidFill>
+          </a:ln>
+        </p:spPr>
+        <p:style>
+          <a:lnRef idx="2">
+            <a:schemeClr val="accent1">
+              <a:shade val="50000"/>
+            </a:schemeClr>
+          </a:lnRef>
+          <a:fillRef idx="1">
+            <a:schemeClr val="accent1"/>
+          </a:fillRef>
+          <a:effectRef idx="0">
+            <a:schemeClr val="accent1"/>
+          </a:effectRef>
+          <a:fontRef idx="minor">
+            <a:schemeClr val="lt1"/>
+          </a:fontRef>
+        </p:style>
+        <p:txBody>
+          <a:bodyPr rtlCol="0" anchor="ctr"/>
+          <a:lstStyle/>
+          <a:p>
+            <a:pPr algn="ctr"/>
+            <a:r>
+              <a:rPr lang="en-US" altLang="ko-KR" dirty="0"/>
+              <a:t>RESET1</a:t>
+            </a:r>
+            <a:endParaRPr lang="ko-KR" altLang="en-US" dirty="0"/>
+          </a:p>
+        </p:txBody>
+      </p:sp>
+      <p:sp>
+        <p:nvSpPr>
+          <p:cNvPr id="10" name="원형: 비어 있음 9">
+            <a:extLst>
+              <a:ext uri="{FF2B5EF4-FFF2-40B4-BE49-F238E27FC236}">
+                <a16:creationId xmlns:a16="http://schemas.microsoft.com/office/drawing/2014/main" id="{36F4E5C3-22D7-FF9C-992A-8CE8727B1D8D}"/>
+              </a:ext>
+            </a:extLst>
+          </p:cNvPr>
+          <p:cNvSpPr/>
+          <p:nvPr/>
+        </p:nvSpPr>
+        <p:spPr>
+          <a:xfrm>
+            <a:off x="7042603" y="-21337"/>
+            <a:ext cx="1673524" cy="1690778"/>
+          </a:xfrm>
+          <a:prstGeom prst="donut">
+            <a:avLst/>
+          </a:prstGeom>
+          <a:ln>
+            <a:solidFill>
+              <a:schemeClr val="tx1"/>
+            </a:solidFill>
+          </a:ln>
+        </p:spPr>
+        <p:style>
+          <a:lnRef idx="2">
+            <a:schemeClr val="accent1">
+              <a:shade val="50000"/>
+            </a:schemeClr>
+          </a:lnRef>
+          <a:fillRef idx="1">
+            <a:schemeClr val="accent1"/>
+          </a:fillRef>
+          <a:effectRef idx="0">
+            <a:schemeClr val="accent1"/>
+          </a:effectRef>
+          <a:fontRef idx="minor">
+            <a:schemeClr val="lt1"/>
+          </a:fontRef>
+        </p:style>
+        <p:txBody>
+          <a:bodyPr rtlCol="0" anchor="ctr"/>
+          <a:lstStyle/>
+          <a:p>
+            <a:pPr algn="ctr"/>
+            <a:r>
+              <a:rPr lang="en-US" altLang="ko-KR" dirty="0" err="1">
+                <a:solidFill>
+                  <a:schemeClr val="tx1"/>
+                </a:solidFill>
+              </a:rPr>
+              <a:t>AUTO1</a:t>
+            </a:r>
+            <a:endParaRPr lang="ko-KR" altLang="en-US" dirty="0">
+              <a:solidFill>
+                <a:schemeClr val="tx1"/>
+              </a:solidFill>
+            </a:endParaRPr>
+          </a:p>
+        </p:txBody>
+      </p:sp>
     </p:spTree>
     <p:extLst>
       <p:ext uri="{BB962C8B-B14F-4D97-AF65-F5344CB8AC3E}">

--- a/DsDotNet/src/UnitTest/UnitTest.Engine/ImportPPT/T0_CaseAll.pptx
+++ b/DsDotNet/src/UnitTest/UnitTest.Engine/ImportPPT/T0_CaseAll.pptx
@@ -223,7 +223,7 @@
           <a:p>
             <a:fld id="{DD503887-5801-43A0-AEF9-041E8DDC2558}" type="datetimeFigureOut">
               <a:rPr lang="ko-KR" altLang="en-US" smtClean="0"/>
-              <a:t>2022-11-09</a:t>
+              <a:t>2022-12-07</a:t>
             </a:fld>
             <a:endParaRPr lang="ko-KR" altLang="en-US" dirty="0"/>
           </a:p>
@@ -400,7 +400,7 @@
           <a:p>
             <a:fld id="{95336A0E-57B1-4D4C-BD9B-2F72B5943464}" type="datetimeFigureOut">
               <a:rPr lang="ko-KR" altLang="en-US" smtClean="0"/>
-              <a:t>2022-11-09</a:t>
+              <a:t>2022-12-07</a:t>
             </a:fld>
             <a:endParaRPr lang="ko-KR" altLang="en-US" dirty="0"/>
           </a:p>
@@ -3238,7 +3238,7 @@
           <a:p>
             <a:fld id="{229D12C7-0FF5-4972-A033-474EFFC79F40}" type="datetime1">
               <a:rPr lang="ko-KR" altLang="en-US" smtClean="0"/>
-              <a:t>2022-11-09</a:t>
+              <a:t>2022-12-07</a:t>
             </a:fld>
             <a:endParaRPr lang="ko-KR" altLang="en-US" dirty="0"/>
           </a:p>
@@ -3436,7 +3436,7 @@
           <a:p>
             <a:fld id="{5BA19FD4-B052-4F56-8FD8-EAFD078DEFB0}" type="datetime1">
               <a:rPr lang="ko-KR" altLang="en-US" smtClean="0"/>
-              <a:t>2022-11-09</a:t>
+              <a:t>2022-12-07</a:t>
             </a:fld>
             <a:endParaRPr lang="ko-KR" altLang="en-US" dirty="0"/>
           </a:p>
@@ -3644,7 +3644,7 @@
           <a:p>
             <a:fld id="{024994B9-23A6-4B0A-A038-AC140E83DAA3}" type="datetime1">
               <a:rPr lang="ko-KR" altLang="en-US" smtClean="0"/>
-              <a:t>2022-11-09</a:t>
+              <a:t>2022-12-07</a:t>
             </a:fld>
             <a:endParaRPr lang="ko-KR" altLang="en-US" dirty="0"/>
           </a:p>
@@ -3842,7 +3842,7 @@
           <a:p>
             <a:fld id="{70D0DAB2-87CB-4028-B965-3AA710ADF2CB}" type="datetime1">
               <a:rPr lang="ko-KR" altLang="en-US" smtClean="0"/>
-              <a:t>2022-11-09</a:t>
+              <a:t>2022-12-07</a:t>
             </a:fld>
             <a:endParaRPr lang="ko-KR" altLang="en-US" dirty="0"/>
           </a:p>
@@ -4117,7 +4117,7 @@
           <a:p>
             <a:fld id="{63FA3D71-FEA8-477F-9D1E-EA860F411BC7}" type="datetime1">
               <a:rPr lang="ko-KR" altLang="en-US" smtClean="0"/>
-              <a:t>2022-11-09</a:t>
+              <a:t>2022-12-07</a:t>
             </a:fld>
             <a:endParaRPr lang="ko-KR" altLang="en-US" dirty="0"/>
           </a:p>
@@ -4382,7 +4382,7 @@
           <a:p>
             <a:fld id="{F58E3EF4-7980-4C97-BA64-EC66995BB574}" type="datetime1">
               <a:rPr lang="ko-KR" altLang="en-US" smtClean="0"/>
-              <a:t>2022-11-09</a:t>
+              <a:t>2022-12-07</a:t>
             </a:fld>
             <a:endParaRPr lang="ko-KR" altLang="en-US" dirty="0"/>
           </a:p>
@@ -4794,7 +4794,7 @@
           <a:p>
             <a:fld id="{FC9BC1D0-7D6B-4634-9D19-644040D74EAE}" type="datetime1">
               <a:rPr lang="ko-KR" altLang="en-US" smtClean="0"/>
-              <a:t>2022-11-09</a:t>
+              <a:t>2022-12-07</a:t>
             </a:fld>
             <a:endParaRPr lang="ko-KR" altLang="en-US" dirty="0"/>
           </a:p>
@@ -4936,7 +4936,7 @@
           <a:p>
             <a:fld id="{B5B1BBC2-B738-4C35-AEE5-660EB2DEB482}" type="datetime1">
               <a:rPr lang="ko-KR" altLang="en-US" smtClean="0"/>
-              <a:t>2022-11-09</a:t>
+              <a:t>2022-12-07</a:t>
             </a:fld>
             <a:endParaRPr lang="ko-KR" altLang="en-US" dirty="0"/>
           </a:p>
@@ -9518,7 +9518,7 @@
           <a:p>
             <a:fld id="{C60E9F93-7E77-4F36-B88C-A425F00C8D91}" type="datetime1">
               <a:rPr lang="ko-KR" altLang="en-US" smtClean="0"/>
-              <a:t>2022-11-09</a:t>
+              <a:t>2022-12-07</a:t>
             </a:fld>
             <a:endParaRPr lang="ko-KR" altLang="en-US" dirty="0"/>
           </a:p>
@@ -9829,7 +9829,7 @@
           <a:p>
             <a:fld id="{36BCCD0E-2A54-4016-BFFC-FEAABCDA6915}" type="datetime1">
               <a:rPr lang="ko-KR" altLang="en-US" smtClean="0"/>
-              <a:t>2022-11-09</a:t>
+              <a:t>2022-12-07</a:t>
             </a:fld>
             <a:endParaRPr lang="ko-KR" altLang="en-US" dirty="0"/>
           </a:p>
@@ -10117,7 +10117,7 @@
           <a:p>
             <a:fld id="{AAF69562-79F1-43EA-AE78-EAD8DB3AEC1A}" type="datetime1">
               <a:rPr lang="ko-KR" altLang="en-US" smtClean="0"/>
-              <a:t>2022-11-09</a:t>
+              <a:t>2022-12-07</a:t>
             </a:fld>
             <a:endParaRPr lang="ko-KR" altLang="en-US" dirty="0"/>
           </a:p>
@@ -10358,7 +10358,7 @@
           <a:p>
             <a:fld id="{C984B0C4-64BA-4E4C-B5E6-A51EE3F6ED95}" type="datetime1">
               <a:rPr lang="ko-KR" altLang="en-US" smtClean="0"/>
-              <a:t>2022-11-09</a:t>
+              <a:t>2022-12-07</a:t>
             </a:fld>
             <a:endParaRPr lang="ko-KR" altLang="en-US" dirty="0"/>
           </a:p>
@@ -10760,7 +10760,7 @@
 </file>
 
 <file path=ppt/slides/slide1.xml><?xml version="1.0" encoding="utf-8"?>
-<p:sld xmlns:a="http://schemas.openxmlformats.org/drawingml/2006/main" xmlns:r="http://schemas.openxmlformats.org/officeDocument/2006/relationships" xmlns:p="http://schemas.openxmlformats.org/presentationml/2006/main">
+<p:sld xmlns:a="http://schemas.openxmlformats.org/drawingml/2006/main" xmlns:r="http://schemas.openxmlformats.org/officeDocument/2006/relationships" xmlns:p="http://schemas.openxmlformats.org/presentationml/2006/main" show="0">
   <p:cSld>
     <p:spTree>
       <p:nvGrpSpPr>
@@ -10905,7 +10905,7 @@
 </file>
 
 <file path=ppt/slides/slide2.xml><?xml version="1.0" encoding="utf-8"?>
-<p:sld xmlns:a="http://schemas.openxmlformats.org/drawingml/2006/main" xmlns:r="http://schemas.openxmlformats.org/officeDocument/2006/relationships" xmlns:p="http://schemas.openxmlformats.org/presentationml/2006/main">
+<p:sld xmlns:a="http://schemas.openxmlformats.org/drawingml/2006/main" xmlns:r="http://schemas.openxmlformats.org/officeDocument/2006/relationships" xmlns:p="http://schemas.openxmlformats.org/presentationml/2006/main" show="0">
   <p:cSld>
     <p:spTree>
       <p:nvGrpSpPr>
@@ -11902,7 +11902,7 @@
 </file>
 
 <file path=ppt/slides/slide3.xml><?xml version="1.0" encoding="utf-8"?>
-<p:sld xmlns:a="http://schemas.openxmlformats.org/drawingml/2006/main" xmlns:r="http://schemas.openxmlformats.org/officeDocument/2006/relationships" xmlns:p="http://schemas.openxmlformats.org/presentationml/2006/main">
+<p:sld xmlns:a="http://schemas.openxmlformats.org/drawingml/2006/main" xmlns:r="http://schemas.openxmlformats.org/officeDocument/2006/relationships" xmlns:p="http://schemas.openxmlformats.org/presentationml/2006/main" show="0">
   <p:cSld>
     <p:spTree>
       <p:nvGrpSpPr>
@@ -12495,7 +12495,7 @@
 </file>
 
 <file path=ppt/slides/slide4.xml><?xml version="1.0" encoding="utf-8"?>
-<p:sld xmlns:a="http://schemas.openxmlformats.org/drawingml/2006/main" xmlns:r="http://schemas.openxmlformats.org/officeDocument/2006/relationships" xmlns:p="http://schemas.openxmlformats.org/presentationml/2006/main">
+<p:sld xmlns:a="http://schemas.openxmlformats.org/drawingml/2006/main" xmlns:r="http://schemas.openxmlformats.org/officeDocument/2006/relationships" xmlns:p="http://schemas.openxmlformats.org/presentationml/2006/main" show="0">
   <p:cSld>
     <p:spTree>
       <p:nvGrpSpPr>
@@ -13279,7 +13279,7 @@
 </file>
 
 <file path=ppt/slides/slide5.xml><?xml version="1.0" encoding="utf-8"?>
-<p:sld xmlns:a="http://schemas.openxmlformats.org/drawingml/2006/main" xmlns:r="http://schemas.openxmlformats.org/officeDocument/2006/relationships" xmlns:p="http://schemas.openxmlformats.org/presentationml/2006/main">
+<p:sld xmlns:a="http://schemas.openxmlformats.org/drawingml/2006/main" xmlns:r="http://schemas.openxmlformats.org/officeDocument/2006/relationships" xmlns:p="http://schemas.openxmlformats.org/presentationml/2006/main" show="0">
   <p:cSld>
     <p:spTree>
       <p:nvGrpSpPr>
@@ -14017,7 +14017,7 @@
 </file>
 
 <file path=ppt/slides/slide6.xml><?xml version="1.0" encoding="utf-8"?>
-<p:sld xmlns:a="http://schemas.openxmlformats.org/drawingml/2006/main" xmlns:r="http://schemas.openxmlformats.org/officeDocument/2006/relationships" xmlns:p="http://schemas.openxmlformats.org/presentationml/2006/main">
+<p:sld xmlns:a="http://schemas.openxmlformats.org/drawingml/2006/main" xmlns:r="http://schemas.openxmlformats.org/officeDocument/2006/relationships" xmlns:p="http://schemas.openxmlformats.org/presentationml/2006/main" show="0">
   <p:cSld>
     <p:spTree>
       <p:nvGrpSpPr>
@@ -15007,7 +15007,7 @@
 </file>
 
 <file path=ppt/slides/slide7.xml><?xml version="1.0" encoding="utf-8"?>
-<p:sld xmlns:a="http://schemas.openxmlformats.org/drawingml/2006/main" xmlns:r="http://schemas.openxmlformats.org/officeDocument/2006/relationships" xmlns:p="http://schemas.openxmlformats.org/presentationml/2006/main">
+<p:sld xmlns:a="http://schemas.openxmlformats.org/drawingml/2006/main" xmlns:r="http://schemas.openxmlformats.org/officeDocument/2006/relationships" xmlns:p="http://schemas.openxmlformats.org/presentationml/2006/main" show="0">
   <p:cSld>
     <p:spTree>
       <p:nvGrpSpPr>
@@ -15928,7 +15928,7 @@
 </file>
 
 <file path=ppt/slides/slide8.xml><?xml version="1.0" encoding="utf-8"?>
-<p:sld xmlns:a="http://schemas.openxmlformats.org/drawingml/2006/main" xmlns:r="http://schemas.openxmlformats.org/officeDocument/2006/relationships" xmlns:p="http://schemas.openxmlformats.org/presentationml/2006/main">
+<p:sld xmlns:a="http://schemas.openxmlformats.org/drawingml/2006/main" xmlns:r="http://schemas.openxmlformats.org/officeDocument/2006/relationships" xmlns:p="http://schemas.openxmlformats.org/presentationml/2006/main" show="0">
   <p:cSld>
     <p:spTree>
       <p:nvGrpSpPr>
@@ -17043,7 +17043,7 @@
 </file>
 
 <file path=ppt/slides/slide9.xml><?xml version="1.0" encoding="utf-8"?>
-<p:sld xmlns:a="http://schemas.openxmlformats.org/drawingml/2006/main" xmlns:r="http://schemas.openxmlformats.org/officeDocument/2006/relationships" xmlns:p="http://schemas.openxmlformats.org/presentationml/2006/main">
+<p:sld xmlns:a="http://schemas.openxmlformats.org/drawingml/2006/main" xmlns:r="http://schemas.openxmlformats.org/officeDocument/2006/relationships" xmlns:p="http://schemas.openxmlformats.org/presentationml/2006/main" show="0">
   <p:cSld>
     <p:spTree>
       <p:nvGrpSpPr>
